--- a/Аспект.pptx
+++ b/Аспект.pptx
@@ -110,6 +110,11 @@
       </a:defRPr>
     </a:lvl9pPr>
   </p:defaultTextStyle>
+  <p:extLst>
+    <p:ext uri="{EFAFB233-063F-42B5-8137-9DF3F51BA10A}">
+      <p15:sldGuideLst xmlns:p15="http://schemas.microsoft.com/office/powerpoint/2012/main"/>
+    </p:ext>
+  </p:extLst>
 </p:presentation>
 </file>
 
@@ -859,7 +864,7 @@
             <a:fld id="{B61BEF0D-F0BB-DE4B-95CE-6DB70DBA9567}" type="datetimeFigureOut">
               <a:rPr lang="en-US" dirty="0"/>
               <a:pPr/>
-              <a:t>4/11/2023</a:t>
+              <a:t>4/20/2023</a:t>
             </a:fld>
             <a:endParaRPr lang="en-US" dirty="0"/>
           </a:p>
@@ -1107,7 +1112,7 @@
             <a:fld id="{B61BEF0D-F0BB-DE4B-95CE-6DB70DBA9567}" type="datetimeFigureOut">
               <a:rPr lang="en-US" dirty="0"/>
               <a:pPr/>
-              <a:t>4/11/2023</a:t>
+              <a:t>4/20/2023</a:t>
             </a:fld>
             <a:endParaRPr lang="en-US" dirty="0"/>
           </a:p>
@@ -1418,7 +1423,7 @@
             <a:fld id="{B61BEF0D-F0BB-DE4B-95CE-6DB70DBA9567}" type="datetimeFigureOut">
               <a:rPr lang="en-US" dirty="0"/>
               <a:pPr/>
-              <a:t>4/11/2023</a:t>
+              <a:t>4/20/2023</a:t>
             </a:fld>
             <a:endParaRPr lang="en-US" dirty="0"/>
           </a:p>
@@ -1748,7 +1753,7 @@
             <a:fld id="{B61BEF0D-F0BB-DE4B-95CE-6DB70DBA9567}" type="datetimeFigureOut">
               <a:rPr lang="en-US" dirty="0"/>
               <a:pPr/>
-              <a:t>4/11/2023</a:t>
+              <a:t>4/20/2023</a:t>
             </a:fld>
             <a:endParaRPr lang="en-US" dirty="0"/>
           </a:p>
@@ -2059,7 +2064,7 @@
             <a:fld id="{B61BEF0D-F0BB-DE4B-95CE-6DB70DBA9567}" type="datetimeFigureOut">
               <a:rPr lang="en-US" dirty="0"/>
               <a:pPr/>
-              <a:t>4/11/2023</a:t>
+              <a:t>4/20/2023</a:t>
             </a:fld>
             <a:endParaRPr lang="en-US" dirty="0"/>
           </a:p>
@@ -2449,7 +2454,7 @@
             <a:fld id="{B61BEF0D-F0BB-DE4B-95CE-6DB70DBA9567}" type="datetimeFigureOut">
               <a:rPr lang="en-US" dirty="0"/>
               <a:pPr/>
-              <a:t>4/11/2023</a:t>
+              <a:t>4/20/2023</a:t>
             </a:fld>
             <a:endParaRPr lang="en-US" dirty="0"/>
           </a:p>
@@ -2615,7 +2620,7 @@
           <a:p>
             <a:fld id="{55C6B4A9-1611-4792-9094-5F34BCA07E0B}" type="datetimeFigureOut">
               <a:rPr lang="en-US" dirty="0"/>
-              <a:t>4/11/2023</a:t>
+              <a:t>4/20/2023</a:t>
             </a:fld>
             <a:endParaRPr lang="en-US" dirty="0"/>
           </a:p>
@@ -2791,7 +2796,7 @@
             <a:fld id="{B61BEF0D-F0BB-DE4B-95CE-6DB70DBA9567}" type="datetimeFigureOut">
               <a:rPr lang="en-US" dirty="0"/>
               <a:pPr/>
-              <a:t>4/11/2023</a:t>
+              <a:t>4/20/2023</a:t>
             </a:fld>
             <a:endParaRPr lang="en-US" dirty="0"/>
           </a:p>
@@ -2957,7 +2962,7 @@
           <a:p>
             <a:fld id="{42A54C80-263E-416B-A8E0-580EDEADCBDC}" type="datetimeFigureOut">
               <a:rPr lang="en-US" dirty="0"/>
-              <a:t>4/11/2023</a:t>
+              <a:t>4/20/2023</a:t>
             </a:fld>
             <a:endParaRPr lang="en-US" dirty="0"/>
           </a:p>
@@ -3200,7 +3205,7 @@
             <a:fld id="{B61BEF0D-F0BB-DE4B-95CE-6DB70DBA9567}" type="datetimeFigureOut">
               <a:rPr lang="en-US" dirty="0"/>
               <a:pPr/>
-              <a:t>4/11/2023</a:t>
+              <a:t>4/20/2023</a:t>
             </a:fld>
             <a:endParaRPr lang="en-US" dirty="0"/>
           </a:p>
@@ -3428,7 +3433,7 @@
           <a:p>
             <a:fld id="{42A54C80-263E-416B-A8E0-580EDEADCBDC}" type="datetimeFigureOut">
               <a:rPr lang="en-US" dirty="0"/>
-              <a:t>4/11/2023</a:t>
+              <a:t>4/20/2023</a:t>
             </a:fld>
             <a:endParaRPr lang="en-US" dirty="0"/>
           </a:p>
@@ -3798,7 +3803,7 @@
             <a:fld id="{B61BEF0D-F0BB-DE4B-95CE-6DB70DBA9567}" type="datetimeFigureOut">
               <a:rPr lang="en-US" dirty="0"/>
               <a:pPr/>
-              <a:t>4/11/2023</a:t>
+              <a:t>4/20/2023</a:t>
             </a:fld>
             <a:endParaRPr lang="en-US" dirty="0"/>
           </a:p>
@@ -3918,7 +3923,7 @@
             <a:fld id="{B61BEF0D-F0BB-DE4B-95CE-6DB70DBA9567}" type="datetimeFigureOut">
               <a:rPr lang="en-US" dirty="0"/>
               <a:pPr/>
-              <a:t>4/11/2023</a:t>
+              <a:t>4/20/2023</a:t>
             </a:fld>
             <a:endParaRPr lang="en-US" dirty="0"/>
           </a:p>
@@ -4010,7 +4015,7 @@
             <a:fld id="{B61BEF0D-F0BB-DE4B-95CE-6DB70DBA9567}" type="datetimeFigureOut">
               <a:rPr lang="en-US" dirty="0"/>
               <a:pPr/>
-              <a:t>4/11/2023</a:t>
+              <a:t>4/20/2023</a:t>
             </a:fld>
             <a:endParaRPr lang="en-US" dirty="0"/>
           </a:p>
@@ -4261,7 +4266,7 @@
           <a:p>
             <a:fld id="{42A54C80-263E-416B-A8E0-580EDEADCBDC}" type="datetimeFigureOut">
               <a:rPr lang="en-US" dirty="0"/>
-              <a:t>4/11/2023</a:t>
+              <a:t>4/20/2023</a:t>
             </a:fld>
             <a:endParaRPr lang="en-US" dirty="0"/>
           </a:p>
@@ -4563,7 +4568,7 @@
             <a:fld id="{B61BEF0D-F0BB-DE4B-95CE-6DB70DBA9567}" type="datetimeFigureOut">
               <a:rPr lang="en-US" dirty="0"/>
               <a:pPr/>
-              <a:t>4/11/2023</a:t>
+              <a:t>4/20/2023</a:t>
             </a:fld>
             <a:endParaRPr lang="en-US" dirty="0"/>
           </a:p>
@@ -5261,7 +5266,7 @@
             <a:fld id="{B61BEF0D-F0BB-DE4B-95CE-6DB70DBA9567}" type="datetimeFigureOut">
               <a:rPr lang="en-US" dirty="0"/>
               <a:pPr/>
-              <a:t>4/11/2023</a:t>
+              <a:t>4/20/2023</a:t>
             </a:fld>
             <a:endParaRPr lang="en-US" dirty="0"/>
           </a:p>
@@ -6881,7 +6886,122 @@
                 <a:latin typeface="Times New Roman" panose="02020603050405020304" pitchFamily="18" charset="0"/>
                 <a:ea typeface="Calibri" panose="020F0502020204030204" pitchFamily="34" charset="0"/>
               </a:rPr>
-              <a:t>.</a:t>
+              <a:t>. Основной используемый язык запросов — </a:t>
+            </a:r>
+            <a:r>
+              <a:rPr lang="ru-RU" sz="2400" dirty="0">
+                <a:solidFill>
+                  <a:schemeClr val="tx1"/>
+                </a:solidFill>
+                <a:effectLst/>
+                <a:latin typeface="Times New Roman" panose="02020603050405020304" pitchFamily="18" charset="0"/>
+                <a:ea typeface="Calibri" panose="020F0502020204030204" pitchFamily="34" charset="0"/>
+                <a:cs typeface="Times New Roman" panose="02020603050405020304" pitchFamily="18" charset="0"/>
+              </a:rPr>
+              <a:t>Transact-SQL</a:t>
+            </a:r>
+            <a:r>
+              <a:rPr lang="ru-RU" sz="2400" dirty="0">
+                <a:solidFill>
+                  <a:schemeClr val="tx1"/>
+                </a:solidFill>
+                <a:effectLst/>
+                <a:latin typeface="Times New Roman" panose="02020603050405020304" pitchFamily="18" charset="0"/>
+                <a:ea typeface="Calibri" panose="020F0502020204030204" pitchFamily="34" charset="0"/>
+              </a:rPr>
+              <a:t>, создан совместно Microsoft и </a:t>
+            </a:r>
+            <a:r>
+              <a:rPr lang="ru-RU" sz="2400" dirty="0">
+                <a:solidFill>
+                  <a:schemeClr val="tx1"/>
+                </a:solidFill>
+                <a:effectLst/>
+                <a:latin typeface="Times New Roman" panose="02020603050405020304" pitchFamily="18" charset="0"/>
+                <a:ea typeface="Calibri" panose="020F0502020204030204" pitchFamily="34" charset="0"/>
+                <a:cs typeface="Times New Roman" panose="02020603050405020304" pitchFamily="18" charset="0"/>
+              </a:rPr>
+              <a:t>Sybase</a:t>
+            </a:r>
+            <a:r>
+              <a:rPr lang="ru-RU" sz="2400" dirty="0">
+                <a:solidFill>
+                  <a:schemeClr val="tx1"/>
+                </a:solidFill>
+                <a:effectLst/>
+                <a:latin typeface="Times New Roman" panose="02020603050405020304" pitchFamily="18" charset="0"/>
+                <a:ea typeface="Calibri" panose="020F0502020204030204" pitchFamily="34" charset="0"/>
+              </a:rPr>
+              <a:t>. Transact-SQL является реализацией стандарта </a:t>
+            </a:r>
+            <a:r>
+              <a:rPr lang="ru-RU" sz="2400" dirty="0">
+                <a:solidFill>
+                  <a:schemeClr val="tx1"/>
+                </a:solidFill>
+                <a:effectLst/>
+                <a:latin typeface="Times New Roman" panose="02020603050405020304" pitchFamily="18" charset="0"/>
+                <a:ea typeface="Calibri" panose="020F0502020204030204" pitchFamily="34" charset="0"/>
+                <a:cs typeface="Times New Roman" panose="02020603050405020304" pitchFamily="18" charset="0"/>
+              </a:rPr>
+              <a:t>ANSI</a:t>
+            </a:r>
+            <a:r>
+              <a:rPr lang="ru-RU" sz="2400" dirty="0">
+                <a:solidFill>
+                  <a:schemeClr val="tx1"/>
+                </a:solidFill>
+                <a:effectLst/>
+                <a:latin typeface="Times New Roman" panose="02020603050405020304" pitchFamily="18" charset="0"/>
+                <a:ea typeface="Calibri" panose="020F0502020204030204" pitchFamily="34" charset="0"/>
+              </a:rPr>
+              <a:t>/</a:t>
+            </a:r>
+            <a:r>
+              <a:rPr lang="ru-RU" sz="2400" dirty="0">
+                <a:solidFill>
+                  <a:schemeClr val="tx1"/>
+                </a:solidFill>
+                <a:effectLst/>
+                <a:latin typeface="Times New Roman" panose="02020603050405020304" pitchFamily="18" charset="0"/>
+                <a:ea typeface="Calibri" panose="020F0502020204030204" pitchFamily="34" charset="0"/>
+                <a:cs typeface="Times New Roman" panose="02020603050405020304" pitchFamily="18" charset="0"/>
+              </a:rPr>
+              <a:t>ISO</a:t>
+            </a:r>
+            <a:r>
+              <a:rPr lang="ru-RU" sz="2400" dirty="0">
+                <a:solidFill>
+                  <a:schemeClr val="tx1"/>
+                </a:solidFill>
+                <a:effectLst/>
+                <a:latin typeface="Times New Roman" panose="02020603050405020304" pitchFamily="18" charset="0"/>
+                <a:ea typeface="Calibri" panose="020F0502020204030204" pitchFamily="34" charset="0"/>
+              </a:rPr>
+              <a:t> по структурированному языку запросов (</a:t>
+            </a:r>
+            <a:r>
+              <a:rPr lang="ru-RU" sz="2400" dirty="0">
+                <a:solidFill>
+                  <a:schemeClr val="tx1"/>
+                </a:solidFill>
+                <a:effectLst/>
+                <a:latin typeface="Times New Roman" panose="02020603050405020304" pitchFamily="18" charset="0"/>
+                <a:ea typeface="Calibri" panose="020F0502020204030204" pitchFamily="34" charset="0"/>
+                <a:cs typeface="Times New Roman" panose="02020603050405020304" pitchFamily="18" charset="0"/>
+              </a:rPr>
+              <a:t>SQL</a:t>
+            </a:r>
+            <a:r>
+              <a:rPr lang="ru-RU" sz="2400" dirty="0">
+                <a:solidFill>
+                  <a:schemeClr val="tx1"/>
+                </a:solidFill>
+                <a:effectLst/>
+                <a:latin typeface="Times New Roman" panose="02020603050405020304" pitchFamily="18" charset="0"/>
+                <a:ea typeface="Calibri" panose="020F0502020204030204" pitchFamily="34" charset="0"/>
+              </a:rPr>
+              <a:t>) с расширениями.</a:t>
             </a:r>
             <a:endParaRPr lang="ru-RU" sz="2400" dirty="0">
               <a:solidFill>
@@ -6979,7 +7099,8 @@
                   <a:schemeClr val="tx1"/>
                 </a:solidFill>
                 <a:effectLst/>
-                <a:latin typeface="Segoe UI" panose="020B0502040204020203" pitchFamily="34" charset="0"/>
+                <a:latin typeface="Times New Roman" panose="02020603050405020304" pitchFamily="18" charset="0"/>
+                <a:cs typeface="Times New Roman" panose="02020603050405020304" pitchFamily="18" charset="0"/>
               </a:rPr>
               <a:t>Entity</a:t>
             </a:r>
@@ -6989,7 +7110,8 @@
                   <a:schemeClr val="tx1"/>
                 </a:solidFill>
                 <a:effectLst/>
-                <a:latin typeface="Segoe UI" panose="020B0502040204020203" pitchFamily="34" charset="0"/>
+                <a:latin typeface="Times New Roman" panose="02020603050405020304" pitchFamily="18" charset="0"/>
+                <a:cs typeface="Times New Roman" panose="02020603050405020304" pitchFamily="18" charset="0"/>
               </a:rPr>
               <a:t> Framework Core — это современный модуль сопоставления "объект — база данных" для .NET. Он поддерживает запросы LINQ, отслеживание изменений, обновления и миграции схемы. </a:t>
             </a:r>
@@ -6997,6 +7119,8 @@
               <a:solidFill>
                 <a:schemeClr val="tx1"/>
               </a:solidFill>
+              <a:latin typeface="Times New Roman" panose="02020603050405020304" pitchFamily="18" charset="0"/>
+              <a:cs typeface="Times New Roman" panose="02020603050405020304" pitchFamily="18" charset="0"/>
             </a:endParaRPr>
           </a:p>
         </p:txBody>
